--- a/BlaBlaPet.pptx
+++ b/BlaBlaPet.pptx
@@ -5,21 +5,20 @@
     <p:sldMasterId id="2147483648" r:id="rId1"/>
   </p:sldMasterIdLst>
   <p:notesMasterIdLst>
-    <p:notesMasterId r:id="rId11"/>
+    <p:notesMasterId r:id="rId10"/>
   </p:notesMasterIdLst>
   <p:handoutMasterIdLst>
-    <p:handoutMasterId r:id="rId12"/>
+    <p:handoutMasterId r:id="rId11"/>
   </p:handoutMasterIdLst>
   <p:sldIdLst>
     <p:sldId id="256" r:id="rId2"/>
-    <p:sldId id="274" r:id="rId3"/>
-    <p:sldId id="269" r:id="rId4"/>
-    <p:sldId id="259" r:id="rId5"/>
-    <p:sldId id="270" r:id="rId6"/>
-    <p:sldId id="271" r:id="rId7"/>
-    <p:sldId id="273" r:id="rId8"/>
-    <p:sldId id="272" r:id="rId9"/>
-    <p:sldId id="275" r:id="rId10"/>
+    <p:sldId id="269" r:id="rId3"/>
+    <p:sldId id="259" r:id="rId4"/>
+    <p:sldId id="270" r:id="rId5"/>
+    <p:sldId id="271" r:id="rId6"/>
+    <p:sldId id="273" r:id="rId7"/>
+    <p:sldId id="272" r:id="rId8"/>
+    <p:sldId id="275" r:id="rId9"/>
   </p:sldIdLst>
   <p:sldSz cx="12192000" cy="6858000"/>
   <p:notesSz cx="6858000" cy="9144000"/>
@@ -31897,7 +31896,7 @@
             <a:pPr rtl="0"/>
             <a:fld id="{935E2820-AFE1-45FA-949E-17BDB534E1DC}" type="slidenum">
               <a:rPr lang="es-ES" smtClean="0"/>
-              <a:t>3</a:t>
+              <a:t>2</a:t>
             </a:fld>
             <a:endParaRPr lang="es-ES" dirty="0"/>
           </a:p>
@@ -31982,7 +31981,7 @@
             <a:fld id="{935E2820-AFE1-45FA-949E-17BDB534E1DC}" type="slidenum">
               <a:rPr lang="es-ES" smtClean="0"/>
               <a:pPr/>
-              <a:t>4</a:t>
+              <a:t>3</a:t>
             </a:fld>
             <a:endParaRPr lang="es-ES" dirty="0"/>
           </a:p>
@@ -32067,7 +32066,7 @@
             <a:fld id="{935E2820-AFE1-45FA-949E-17BDB534E1DC}" type="slidenum">
               <a:rPr lang="es-ES" smtClean="0"/>
               <a:pPr/>
-              <a:t>5</a:t>
+              <a:t>4</a:t>
             </a:fld>
             <a:endParaRPr lang="es-ES" dirty="0"/>
           </a:p>
@@ -32152,7 +32151,7 @@
             <a:fld id="{935E2820-AFE1-45FA-949E-17BDB534E1DC}" type="slidenum">
               <a:rPr lang="es-ES" smtClean="0"/>
               <a:pPr/>
-              <a:t>6</a:t>
+              <a:t>5</a:t>
             </a:fld>
             <a:endParaRPr lang="es-ES" dirty="0"/>
           </a:p>
@@ -32237,7 +32236,7 @@
             <a:fld id="{935E2820-AFE1-45FA-949E-17BDB534E1DC}" type="slidenum">
               <a:rPr lang="es-ES" smtClean="0"/>
               <a:pPr/>
-              <a:t>7</a:t>
+              <a:t>6</a:t>
             </a:fld>
             <a:endParaRPr lang="es-ES" dirty="0"/>
           </a:p>
@@ -32322,7 +32321,7 @@
             <a:fld id="{935E2820-AFE1-45FA-949E-17BDB534E1DC}" type="slidenum">
               <a:rPr lang="es-ES" smtClean="0"/>
               <a:pPr/>
-              <a:t>8</a:t>
+              <a:t>7</a:t>
             </a:fld>
             <a:endParaRPr lang="es-ES" dirty="0"/>
           </a:p>
@@ -35666,27 +35665,7 @@
                   </a:schemeClr>
                 </a:solidFill>
               </a:rPr>
-              <a:t>@</a:t>
-            </a:r>
-            <a:r>
-              <a:rPr lang="es-ES" sz="2400" b="1" dirty="0">
-                <a:solidFill>
-                  <a:schemeClr val="bg2">
-                    <a:lumMod val="25000"/>
-                  </a:schemeClr>
-                </a:solidFill>
-              </a:rPr>
-              <a:t>BlaBlaPet</a:t>
-            </a:r>
-            <a:r>
-              <a:rPr lang="es-ES" sz="2400" b="1" dirty="0">
-                <a:solidFill>
-                  <a:schemeClr val="bg2">
-                    <a:lumMod val="25000"/>
-                  </a:schemeClr>
-                </a:solidFill>
-              </a:rPr>
-              <a:t>_                                                  BlaBlaPet OpenBrain</a:t>
+              <a:t>@BlaBlaPet_                                                  BlaBlaPet OpenBrain</a:t>
             </a:r>
           </a:p>
         </p:txBody>
@@ -35735,78 +35714,6 @@
 </file>
 
 <file path=ppt/slides/slide2.xml><?xml version="1.0" encoding="utf-8"?>
-<p:sld xmlns:a="http://schemas.openxmlformats.org/drawingml/2006/main" xmlns:r="http://schemas.openxmlformats.org/officeDocument/2006/relationships" xmlns:p="http://schemas.openxmlformats.org/presentationml/2006/main">
-  <p:cSld>
-    <p:spTree>
-      <p:nvGrpSpPr>
-        <p:cNvPr id="1" name=""/>
-        <p:cNvGrpSpPr/>
-        <p:nvPr/>
-      </p:nvGrpSpPr>
-      <p:grpSpPr>
-        <a:xfrm>
-          <a:off x="0" y="0"/>
-          <a:ext cx="0" cy="0"/>
-          <a:chOff x="0" y="0"/>
-          <a:chExt cx="0" cy="0"/>
-        </a:xfrm>
-      </p:grpSpPr>
-      <p:sp>
-        <p:nvSpPr>
-          <p:cNvPr id="3" name="Marcador de contenido 2"/>
-          <p:cNvSpPr>
-            <a:spLocks noGrp="1"/>
-          </p:cNvSpPr>
-          <p:nvPr>
-            <p:ph idx="1"/>
-          </p:nvPr>
-        </p:nvSpPr>
-        <p:spPr/>
-        <p:txBody>
-          <a:bodyPr/>
-          <a:lstStyle/>
-          <a:p>
-            <a:endParaRPr lang="es-ES" dirty="0"/>
-          </a:p>
-        </p:txBody>
-      </p:sp>
-      <p:pic>
-        <p:nvPicPr>
-          <p:cNvPr id="4" name="Imagen 3"/>
-          <p:cNvPicPr>
-            <a:picLocks noChangeAspect="1"/>
-          </p:cNvPicPr>
-          <p:nvPr/>
-        </p:nvPicPr>
-        <p:blipFill rotWithShape="1">
-          <a:blip r:embed="rId2"/>
-          <a:srcRect t="10414" b="8133"/>
-          <a:stretch/>
-        </p:blipFill>
-        <p:spPr>
-          <a:xfrm>
-            <a:off x="287820" y="344557"/>
-            <a:ext cx="11533040" cy="4147930"/>
-          </a:xfrm>
-          <a:prstGeom prst="rect">
-            <a:avLst/>
-          </a:prstGeom>
-        </p:spPr>
-      </p:pic>
-    </p:spTree>
-    <p:extLst>
-      <p:ext uri="{BB962C8B-B14F-4D97-AF65-F5344CB8AC3E}">
-        <p14:creationId xmlns:p14="http://schemas.microsoft.com/office/powerpoint/2010/main" val="4283732350"/>
-      </p:ext>
-    </p:extLst>
-  </p:cSld>
-  <p:clrMapOvr>
-    <a:masterClrMapping/>
-  </p:clrMapOvr>
-</p:sld>
-</file>
-
-<file path=ppt/slides/slide3.xml><?xml version="1.0" encoding="utf-8"?>
 <p:sld xmlns:a="http://schemas.openxmlformats.org/drawingml/2006/main" xmlns:r="http://schemas.openxmlformats.org/officeDocument/2006/relationships" xmlns:p="http://schemas.openxmlformats.org/presentationml/2006/main">
   <p:cSld>
     <p:spTree>
@@ -36081,7 +35988,7 @@
 </p:sld>
 </file>
 
-<file path=ppt/slides/slide4.xml><?xml version="1.0" encoding="utf-8"?>
+<file path=ppt/slides/slide3.xml><?xml version="1.0" encoding="utf-8"?>
 <p:sld xmlns:a="http://schemas.openxmlformats.org/drawingml/2006/main" xmlns:r="http://schemas.openxmlformats.org/officeDocument/2006/relationships" xmlns:p="http://schemas.openxmlformats.org/presentationml/2006/main">
   <p:cSld>
     <p:spTree>
@@ -36332,7 +36239,7 @@
 </p:sld>
 </file>
 
-<file path=ppt/slides/slide5.xml><?xml version="1.0" encoding="utf-8"?>
+<file path=ppt/slides/slide4.xml><?xml version="1.0" encoding="utf-8"?>
 <p:sld xmlns:a="http://schemas.openxmlformats.org/drawingml/2006/main" xmlns:r="http://schemas.openxmlformats.org/officeDocument/2006/relationships" xmlns:p="http://schemas.openxmlformats.org/presentationml/2006/main">
   <p:cSld>
     <p:spTree>
@@ -36785,7 +36692,7 @@
 </p:sld>
 </file>
 
-<file path=ppt/slides/slide6.xml><?xml version="1.0" encoding="utf-8"?>
+<file path=ppt/slides/slide5.xml><?xml version="1.0" encoding="utf-8"?>
 <p:sld xmlns:a="http://schemas.openxmlformats.org/drawingml/2006/main" xmlns:r="http://schemas.openxmlformats.org/officeDocument/2006/relationships" xmlns:p="http://schemas.openxmlformats.org/presentationml/2006/main">
   <p:cSld>
     <p:spTree>
@@ -36987,7 +36894,7 @@
 </p:sld>
 </file>
 
-<file path=ppt/slides/slide7.xml><?xml version="1.0" encoding="utf-8"?>
+<file path=ppt/slides/slide6.xml><?xml version="1.0" encoding="utf-8"?>
 <p:sld xmlns:a="http://schemas.openxmlformats.org/drawingml/2006/main" xmlns:r="http://schemas.openxmlformats.org/officeDocument/2006/relationships" xmlns:p="http://schemas.openxmlformats.org/presentationml/2006/main">
   <p:cSld>
     <p:spTree>
@@ -37281,7 +37188,7 @@
 </p:sld>
 </file>
 
-<file path=ppt/slides/slide8.xml><?xml version="1.0" encoding="utf-8"?>
+<file path=ppt/slides/slide7.xml><?xml version="1.0" encoding="utf-8"?>
 <p:sld xmlns:a="http://schemas.openxmlformats.org/drawingml/2006/main" xmlns:r="http://schemas.openxmlformats.org/officeDocument/2006/relationships" xmlns:p="http://schemas.openxmlformats.org/presentationml/2006/main">
   <p:cSld>
     <p:spTree>
@@ -37691,7 +37598,7 @@
 </p:sld>
 </file>
 
-<file path=ppt/slides/slide9.xml><?xml version="1.0" encoding="utf-8"?>
+<file path=ppt/slides/slide8.xml><?xml version="1.0" encoding="utf-8"?>
 <p:sld xmlns:a="http://schemas.openxmlformats.org/drawingml/2006/main" xmlns:r="http://schemas.openxmlformats.org/officeDocument/2006/relationships" xmlns:p="http://schemas.openxmlformats.org/presentationml/2006/main">
   <p:cSld>
     <p:spTree>

--- a/BlaBlaPet.pptx
+++ b/BlaBlaPet.pptx
@@ -5,20 +5,21 @@
     <p:sldMasterId id="2147483648" r:id="rId1"/>
   </p:sldMasterIdLst>
   <p:notesMasterIdLst>
-    <p:notesMasterId r:id="rId10"/>
+    <p:notesMasterId r:id="rId11"/>
   </p:notesMasterIdLst>
   <p:handoutMasterIdLst>
-    <p:handoutMasterId r:id="rId11"/>
+    <p:handoutMasterId r:id="rId12"/>
   </p:handoutMasterIdLst>
   <p:sldIdLst>
     <p:sldId id="256" r:id="rId2"/>
-    <p:sldId id="269" r:id="rId3"/>
-    <p:sldId id="259" r:id="rId4"/>
-    <p:sldId id="270" r:id="rId5"/>
-    <p:sldId id="271" r:id="rId6"/>
-    <p:sldId id="273" r:id="rId7"/>
-    <p:sldId id="272" r:id="rId8"/>
-    <p:sldId id="275" r:id="rId9"/>
+    <p:sldId id="274" r:id="rId3"/>
+    <p:sldId id="269" r:id="rId4"/>
+    <p:sldId id="259" r:id="rId5"/>
+    <p:sldId id="270" r:id="rId6"/>
+    <p:sldId id="271" r:id="rId7"/>
+    <p:sldId id="273" r:id="rId8"/>
+    <p:sldId id="272" r:id="rId9"/>
+    <p:sldId id="275" r:id="rId10"/>
   </p:sldIdLst>
   <p:sldSz cx="12192000" cy="6858000"/>
   <p:notesSz cx="6858000" cy="9144000"/>
@@ -31896,7 +31897,7 @@
             <a:pPr rtl="0"/>
             <a:fld id="{935E2820-AFE1-45FA-949E-17BDB534E1DC}" type="slidenum">
               <a:rPr lang="es-ES" smtClean="0"/>
-              <a:t>2</a:t>
+              <a:t>3</a:t>
             </a:fld>
             <a:endParaRPr lang="es-ES" dirty="0"/>
           </a:p>
@@ -31981,7 +31982,7 @@
             <a:fld id="{935E2820-AFE1-45FA-949E-17BDB534E1DC}" type="slidenum">
               <a:rPr lang="es-ES" smtClean="0"/>
               <a:pPr/>
-              <a:t>3</a:t>
+              <a:t>4</a:t>
             </a:fld>
             <a:endParaRPr lang="es-ES" dirty="0"/>
           </a:p>
@@ -32066,7 +32067,7 @@
             <a:fld id="{935E2820-AFE1-45FA-949E-17BDB534E1DC}" type="slidenum">
               <a:rPr lang="es-ES" smtClean="0"/>
               <a:pPr/>
-              <a:t>4</a:t>
+              <a:t>5</a:t>
             </a:fld>
             <a:endParaRPr lang="es-ES" dirty="0"/>
           </a:p>
@@ -32151,7 +32152,7 @@
             <a:fld id="{935E2820-AFE1-45FA-949E-17BDB534E1DC}" type="slidenum">
               <a:rPr lang="es-ES" smtClean="0"/>
               <a:pPr/>
-              <a:t>5</a:t>
+              <a:t>6</a:t>
             </a:fld>
             <a:endParaRPr lang="es-ES" dirty="0"/>
           </a:p>
@@ -32236,7 +32237,7 @@
             <a:fld id="{935E2820-AFE1-45FA-949E-17BDB534E1DC}" type="slidenum">
               <a:rPr lang="es-ES" smtClean="0"/>
               <a:pPr/>
-              <a:t>6</a:t>
+              <a:t>7</a:t>
             </a:fld>
             <a:endParaRPr lang="es-ES" dirty="0"/>
           </a:p>
@@ -32321,7 +32322,7 @@
             <a:fld id="{935E2820-AFE1-45FA-949E-17BDB534E1DC}" type="slidenum">
               <a:rPr lang="es-ES" smtClean="0"/>
               <a:pPr/>
-              <a:t>7</a:t>
+              <a:t>8</a:t>
             </a:fld>
             <a:endParaRPr lang="es-ES" dirty="0"/>
           </a:p>
@@ -35665,7 +35666,27 @@
                   </a:schemeClr>
                 </a:solidFill>
               </a:rPr>
-              <a:t>@BlaBlaPet_                                                  BlaBlaPet OpenBrain</a:t>
+              <a:t>@</a:t>
+            </a:r>
+            <a:r>
+              <a:rPr lang="es-ES" sz="2400" b="1" dirty="0">
+                <a:solidFill>
+                  <a:schemeClr val="bg2">
+                    <a:lumMod val="25000"/>
+                  </a:schemeClr>
+                </a:solidFill>
+              </a:rPr>
+              <a:t>BlaBlaPet</a:t>
+            </a:r>
+            <a:r>
+              <a:rPr lang="es-ES" sz="2400" b="1" dirty="0">
+                <a:solidFill>
+                  <a:schemeClr val="bg2">
+                    <a:lumMod val="25000"/>
+                  </a:schemeClr>
+                </a:solidFill>
+              </a:rPr>
+              <a:t>_                                                  BlaBlaPet OpenBrain</a:t>
             </a:r>
           </a:p>
         </p:txBody>
@@ -35714,6 +35735,78 @@
 </file>
 
 <file path=ppt/slides/slide2.xml><?xml version="1.0" encoding="utf-8"?>
+<p:sld xmlns:a="http://schemas.openxmlformats.org/drawingml/2006/main" xmlns:r="http://schemas.openxmlformats.org/officeDocument/2006/relationships" xmlns:p="http://schemas.openxmlformats.org/presentationml/2006/main">
+  <p:cSld>
+    <p:spTree>
+      <p:nvGrpSpPr>
+        <p:cNvPr id="1" name=""/>
+        <p:cNvGrpSpPr/>
+        <p:nvPr/>
+      </p:nvGrpSpPr>
+      <p:grpSpPr>
+        <a:xfrm>
+          <a:off x="0" y="0"/>
+          <a:ext cx="0" cy="0"/>
+          <a:chOff x="0" y="0"/>
+          <a:chExt cx="0" cy="0"/>
+        </a:xfrm>
+      </p:grpSpPr>
+      <p:sp>
+        <p:nvSpPr>
+          <p:cNvPr id="3" name="Marcador de contenido 2"/>
+          <p:cNvSpPr>
+            <a:spLocks noGrp="1"/>
+          </p:cNvSpPr>
+          <p:nvPr>
+            <p:ph idx="1"/>
+          </p:nvPr>
+        </p:nvSpPr>
+        <p:spPr/>
+        <p:txBody>
+          <a:bodyPr/>
+          <a:lstStyle/>
+          <a:p>
+            <a:endParaRPr lang="es-ES" dirty="0"/>
+          </a:p>
+        </p:txBody>
+      </p:sp>
+      <p:pic>
+        <p:nvPicPr>
+          <p:cNvPr id="4" name="Imagen 3"/>
+          <p:cNvPicPr>
+            <a:picLocks noChangeAspect="1"/>
+          </p:cNvPicPr>
+          <p:nvPr/>
+        </p:nvPicPr>
+        <p:blipFill rotWithShape="1">
+          <a:blip r:embed="rId2"/>
+          <a:srcRect t="10414" b="8133"/>
+          <a:stretch/>
+        </p:blipFill>
+        <p:spPr>
+          <a:xfrm>
+            <a:off x="287820" y="344557"/>
+            <a:ext cx="11533040" cy="4147930"/>
+          </a:xfrm>
+          <a:prstGeom prst="rect">
+            <a:avLst/>
+          </a:prstGeom>
+        </p:spPr>
+      </p:pic>
+    </p:spTree>
+    <p:extLst>
+      <p:ext uri="{BB962C8B-B14F-4D97-AF65-F5344CB8AC3E}">
+        <p14:creationId xmlns:p14="http://schemas.microsoft.com/office/powerpoint/2010/main" val="4283732350"/>
+      </p:ext>
+    </p:extLst>
+  </p:cSld>
+  <p:clrMapOvr>
+    <a:masterClrMapping/>
+  </p:clrMapOvr>
+</p:sld>
+</file>
+
+<file path=ppt/slides/slide3.xml><?xml version="1.0" encoding="utf-8"?>
 <p:sld xmlns:a="http://schemas.openxmlformats.org/drawingml/2006/main" xmlns:r="http://schemas.openxmlformats.org/officeDocument/2006/relationships" xmlns:p="http://schemas.openxmlformats.org/presentationml/2006/main">
   <p:cSld>
     <p:spTree>
@@ -35988,7 +36081,7 @@
 </p:sld>
 </file>
 
-<file path=ppt/slides/slide3.xml><?xml version="1.0" encoding="utf-8"?>
+<file path=ppt/slides/slide4.xml><?xml version="1.0" encoding="utf-8"?>
 <p:sld xmlns:a="http://schemas.openxmlformats.org/drawingml/2006/main" xmlns:r="http://schemas.openxmlformats.org/officeDocument/2006/relationships" xmlns:p="http://schemas.openxmlformats.org/presentationml/2006/main">
   <p:cSld>
     <p:spTree>
@@ -36239,7 +36332,7 @@
 </p:sld>
 </file>
 
-<file path=ppt/slides/slide4.xml><?xml version="1.0" encoding="utf-8"?>
+<file path=ppt/slides/slide5.xml><?xml version="1.0" encoding="utf-8"?>
 <p:sld xmlns:a="http://schemas.openxmlformats.org/drawingml/2006/main" xmlns:r="http://schemas.openxmlformats.org/officeDocument/2006/relationships" xmlns:p="http://schemas.openxmlformats.org/presentationml/2006/main">
   <p:cSld>
     <p:spTree>
@@ -36692,7 +36785,7 @@
 </p:sld>
 </file>
 
-<file path=ppt/slides/slide5.xml><?xml version="1.0" encoding="utf-8"?>
+<file path=ppt/slides/slide6.xml><?xml version="1.0" encoding="utf-8"?>
 <p:sld xmlns:a="http://schemas.openxmlformats.org/drawingml/2006/main" xmlns:r="http://schemas.openxmlformats.org/officeDocument/2006/relationships" xmlns:p="http://schemas.openxmlformats.org/presentationml/2006/main">
   <p:cSld>
     <p:spTree>
@@ -36894,7 +36987,7 @@
 </p:sld>
 </file>
 
-<file path=ppt/slides/slide6.xml><?xml version="1.0" encoding="utf-8"?>
+<file path=ppt/slides/slide7.xml><?xml version="1.0" encoding="utf-8"?>
 <p:sld xmlns:a="http://schemas.openxmlformats.org/drawingml/2006/main" xmlns:r="http://schemas.openxmlformats.org/officeDocument/2006/relationships" xmlns:p="http://schemas.openxmlformats.org/presentationml/2006/main">
   <p:cSld>
     <p:spTree>
@@ -37188,7 +37281,7 @@
 </p:sld>
 </file>
 
-<file path=ppt/slides/slide7.xml><?xml version="1.0" encoding="utf-8"?>
+<file path=ppt/slides/slide8.xml><?xml version="1.0" encoding="utf-8"?>
 <p:sld xmlns:a="http://schemas.openxmlformats.org/drawingml/2006/main" xmlns:r="http://schemas.openxmlformats.org/officeDocument/2006/relationships" xmlns:p="http://schemas.openxmlformats.org/presentationml/2006/main">
   <p:cSld>
     <p:spTree>
@@ -37598,7 +37691,7 @@
 </p:sld>
 </file>
 
-<file path=ppt/slides/slide8.xml><?xml version="1.0" encoding="utf-8"?>
+<file path=ppt/slides/slide9.xml><?xml version="1.0" encoding="utf-8"?>
 <p:sld xmlns:a="http://schemas.openxmlformats.org/drawingml/2006/main" xmlns:r="http://schemas.openxmlformats.org/officeDocument/2006/relationships" xmlns:p="http://schemas.openxmlformats.org/presentationml/2006/main">
   <p:cSld>
     <p:spTree>
